--- a/Gender Classification Using Iris Images-presentation_Group-10.pptx
+++ b/Gender Classification Using Iris Images-presentation_Group-10.pptx
@@ -114,7 +114,7 @@
   </p:defaultTextStyle>
   <p:extLst>
     <p:ext uri="{EFAFB233-063F-42B5-8137-9DF3F51BA10A}">
-      <p15:sldGuideLst xmlns:p15="http://schemas.microsoft.com/office/powerpoint/2012/main"/>
+      <p15:sldGuideLst xmlns:p15="http://schemas.microsoft.com/office/powerpoint/2012/main" xmlns=""/>
     </p:ext>
   </p:extLst>
 </p:presentation>
@@ -865,7 +865,8 @@
           <a:p>
             <a:fld id="{CA8B4C51-C230-4C28-9843-C7E92339E34F}" type="datetimeFigureOut">
               <a:rPr lang="en-US" smtClean="0"/>
-              <a:t>12/3/2015</a:t>
+              <a:pPr/>
+              <a:t>12/14/2015</a:t>
             </a:fld>
             <a:endParaRPr lang="en-US"/>
           </a:p>
@@ -907,6 +908,7 @@
           <a:p>
             <a:fld id="{B4F68084-92CE-4061-B72E-C5017CA9D6B6}" type="slidenum">
               <a:rPr lang="en-US" smtClean="0"/>
+              <a:pPr/>
               <a:t>‹#›</a:t>
             </a:fld>
             <a:endParaRPr lang="en-US"/>
@@ -916,7 +918,7 @@
     </p:spTree>
     <p:extLst>
       <p:ext uri="{BB962C8B-B14F-4D97-AF65-F5344CB8AC3E}">
-        <p14:creationId xmlns:p14="http://schemas.microsoft.com/office/powerpoint/2010/main" val="3289153887"/>
+        <p14:creationId xmlns:p14="http://schemas.microsoft.com/office/powerpoint/2010/main" xmlns="" val="3289153887"/>
       </p:ext>
     </p:extLst>
   </p:cSld>
@@ -1116,7 +1118,8 @@
           <a:p>
             <a:fld id="{CA8B4C51-C230-4C28-9843-C7E92339E34F}" type="datetimeFigureOut">
               <a:rPr lang="en-US" smtClean="0"/>
-              <a:t>12/3/2015</a:t>
+              <a:pPr/>
+              <a:t>12/14/2015</a:t>
             </a:fld>
             <a:endParaRPr lang="en-US"/>
           </a:p>
@@ -1158,6 +1161,7 @@
           <a:p>
             <a:fld id="{B4F68084-92CE-4061-B72E-C5017CA9D6B6}" type="slidenum">
               <a:rPr lang="en-US" smtClean="0"/>
+              <a:pPr/>
               <a:t>‹#›</a:t>
             </a:fld>
             <a:endParaRPr lang="en-US"/>
@@ -1167,7 +1171,7 @@
     </p:spTree>
     <p:extLst>
       <p:ext uri="{BB962C8B-B14F-4D97-AF65-F5344CB8AC3E}">
-        <p14:creationId xmlns:p14="http://schemas.microsoft.com/office/powerpoint/2010/main" val="1392693845"/>
+        <p14:creationId xmlns:p14="http://schemas.microsoft.com/office/powerpoint/2010/main" xmlns="" val="1392693845"/>
       </p:ext>
     </p:extLst>
   </p:cSld>
@@ -1430,7 +1434,8 @@
           <a:p>
             <a:fld id="{CA8B4C51-C230-4C28-9843-C7E92339E34F}" type="datetimeFigureOut">
               <a:rPr lang="en-US" smtClean="0"/>
-              <a:t>12/3/2015</a:t>
+              <a:pPr/>
+              <a:t>12/14/2015</a:t>
             </a:fld>
             <a:endParaRPr lang="en-US"/>
           </a:p>
@@ -1472,6 +1477,7 @@
           <a:p>
             <a:fld id="{B4F68084-92CE-4061-B72E-C5017CA9D6B6}" type="slidenum">
               <a:rPr lang="en-US" smtClean="0"/>
+              <a:pPr/>
               <a:t>‹#›</a:t>
             </a:fld>
             <a:endParaRPr lang="en-US"/>
@@ -1563,7 +1569,7 @@
     </p:spTree>
     <p:extLst>
       <p:ext uri="{BB962C8B-B14F-4D97-AF65-F5344CB8AC3E}">
-        <p14:creationId xmlns:p14="http://schemas.microsoft.com/office/powerpoint/2010/main" val="160677712"/>
+        <p14:creationId xmlns:p14="http://schemas.microsoft.com/office/powerpoint/2010/main" xmlns="" val="160677712"/>
       </p:ext>
     </p:extLst>
   </p:cSld>
@@ -1763,7 +1769,8 @@
           <a:p>
             <a:fld id="{CA8B4C51-C230-4C28-9843-C7E92339E34F}" type="datetimeFigureOut">
               <a:rPr lang="en-US" smtClean="0"/>
-              <a:t>12/3/2015</a:t>
+              <a:pPr/>
+              <a:t>12/14/2015</a:t>
             </a:fld>
             <a:endParaRPr lang="en-US"/>
           </a:p>
@@ -1805,6 +1812,7 @@
           <a:p>
             <a:fld id="{B4F68084-92CE-4061-B72E-C5017CA9D6B6}" type="slidenum">
               <a:rPr lang="en-US" smtClean="0"/>
+              <a:pPr/>
               <a:t>‹#›</a:t>
             </a:fld>
             <a:endParaRPr lang="en-US"/>
@@ -1814,7 +1822,7 @@
     </p:spTree>
     <p:extLst>
       <p:ext uri="{BB962C8B-B14F-4D97-AF65-F5344CB8AC3E}">
-        <p14:creationId xmlns:p14="http://schemas.microsoft.com/office/powerpoint/2010/main" val="2710361114"/>
+        <p14:creationId xmlns:p14="http://schemas.microsoft.com/office/powerpoint/2010/main" xmlns="" val="2710361114"/>
       </p:ext>
     </p:extLst>
   </p:cSld>
@@ -2077,7 +2085,8 @@
           <a:p>
             <a:fld id="{CA8B4C51-C230-4C28-9843-C7E92339E34F}" type="datetimeFigureOut">
               <a:rPr lang="en-US" smtClean="0"/>
-              <a:t>12/3/2015</a:t>
+              <a:pPr/>
+              <a:t>12/14/2015</a:t>
             </a:fld>
             <a:endParaRPr lang="en-US"/>
           </a:p>
@@ -2119,6 +2128,7 @@
           <a:p>
             <a:fld id="{B4F68084-92CE-4061-B72E-C5017CA9D6B6}" type="slidenum">
               <a:rPr lang="en-US" smtClean="0"/>
+              <a:pPr/>
               <a:t>‹#›</a:t>
             </a:fld>
             <a:endParaRPr lang="en-US"/>
@@ -2210,7 +2220,7 @@
     </p:spTree>
     <p:extLst>
       <p:ext uri="{BB962C8B-B14F-4D97-AF65-F5344CB8AC3E}">
-        <p14:creationId xmlns:p14="http://schemas.microsoft.com/office/powerpoint/2010/main" val="1609346550"/>
+        <p14:creationId xmlns:p14="http://schemas.microsoft.com/office/powerpoint/2010/main" xmlns="" val="1609346550"/>
       </p:ext>
     </p:extLst>
   </p:cSld>
@@ -2470,7 +2480,8 @@
           <a:p>
             <a:fld id="{CA8B4C51-C230-4C28-9843-C7E92339E34F}" type="datetimeFigureOut">
               <a:rPr lang="en-US" smtClean="0"/>
-              <a:t>12/3/2015</a:t>
+              <a:pPr/>
+              <a:t>12/14/2015</a:t>
             </a:fld>
             <a:endParaRPr lang="en-US"/>
           </a:p>
@@ -2512,6 +2523,7 @@
           <a:p>
             <a:fld id="{B4F68084-92CE-4061-B72E-C5017CA9D6B6}" type="slidenum">
               <a:rPr lang="en-US" smtClean="0"/>
+              <a:pPr/>
               <a:t>‹#›</a:t>
             </a:fld>
             <a:endParaRPr lang="en-US"/>
@@ -2521,7 +2533,7 @@
     </p:spTree>
     <p:extLst>
       <p:ext uri="{BB962C8B-B14F-4D97-AF65-F5344CB8AC3E}">
-        <p14:creationId xmlns:p14="http://schemas.microsoft.com/office/powerpoint/2010/main" val="1915611087"/>
+        <p14:creationId xmlns:p14="http://schemas.microsoft.com/office/powerpoint/2010/main" xmlns="" val="1915611087"/>
       </p:ext>
     </p:extLst>
   </p:cSld>
@@ -2640,7 +2652,8 @@
           <a:p>
             <a:fld id="{CA8B4C51-C230-4C28-9843-C7E92339E34F}" type="datetimeFigureOut">
               <a:rPr lang="en-US" smtClean="0"/>
-              <a:t>12/3/2015</a:t>
+              <a:pPr/>
+              <a:t>12/14/2015</a:t>
             </a:fld>
             <a:endParaRPr lang="en-US"/>
           </a:p>
@@ -2682,6 +2695,7 @@
           <a:p>
             <a:fld id="{B4F68084-92CE-4061-B72E-C5017CA9D6B6}" type="slidenum">
               <a:rPr lang="en-US" smtClean="0"/>
+              <a:pPr/>
               <a:t>‹#›</a:t>
             </a:fld>
             <a:endParaRPr lang="en-US"/>
@@ -2691,7 +2705,7 @@
     </p:spTree>
     <p:extLst>
       <p:ext uri="{BB962C8B-B14F-4D97-AF65-F5344CB8AC3E}">
-        <p14:creationId xmlns:p14="http://schemas.microsoft.com/office/powerpoint/2010/main" val="1127887195"/>
+        <p14:creationId xmlns:p14="http://schemas.microsoft.com/office/powerpoint/2010/main" xmlns="" val="1127887195"/>
       </p:ext>
     </p:extLst>
   </p:cSld>
@@ -2820,7 +2834,8 @@
           <a:p>
             <a:fld id="{CA8B4C51-C230-4C28-9843-C7E92339E34F}" type="datetimeFigureOut">
               <a:rPr lang="en-US" smtClean="0"/>
-              <a:t>12/3/2015</a:t>
+              <a:pPr/>
+              <a:t>12/14/2015</a:t>
             </a:fld>
             <a:endParaRPr lang="en-US"/>
           </a:p>
@@ -2862,6 +2877,7 @@
           <a:p>
             <a:fld id="{B4F68084-92CE-4061-B72E-C5017CA9D6B6}" type="slidenum">
               <a:rPr lang="en-US" smtClean="0"/>
+              <a:pPr/>
               <a:t>‹#›</a:t>
             </a:fld>
             <a:endParaRPr lang="en-US"/>
@@ -2871,7 +2887,7 @@
     </p:spTree>
     <p:extLst>
       <p:ext uri="{BB962C8B-B14F-4D97-AF65-F5344CB8AC3E}">
-        <p14:creationId xmlns:p14="http://schemas.microsoft.com/office/powerpoint/2010/main" val="1561640053"/>
+        <p14:creationId xmlns:p14="http://schemas.microsoft.com/office/powerpoint/2010/main" xmlns="" val="1561640053"/>
       </p:ext>
     </p:extLst>
   </p:cSld>
@@ -2990,7 +3006,8 @@
           <a:p>
             <a:fld id="{CA8B4C51-C230-4C28-9843-C7E92339E34F}" type="datetimeFigureOut">
               <a:rPr lang="en-US" smtClean="0"/>
-              <a:t>12/3/2015</a:t>
+              <a:pPr/>
+              <a:t>12/14/2015</a:t>
             </a:fld>
             <a:endParaRPr lang="en-US"/>
           </a:p>
@@ -3032,6 +3049,7 @@
           <a:p>
             <a:fld id="{B4F68084-92CE-4061-B72E-C5017CA9D6B6}" type="slidenum">
               <a:rPr lang="en-US" smtClean="0"/>
+              <a:pPr/>
               <a:t>‹#›</a:t>
             </a:fld>
             <a:endParaRPr lang="en-US"/>
@@ -3041,7 +3059,7 @@
     </p:spTree>
     <p:extLst>
       <p:ext uri="{BB962C8B-B14F-4D97-AF65-F5344CB8AC3E}">
-        <p14:creationId xmlns:p14="http://schemas.microsoft.com/office/powerpoint/2010/main" val="548581236"/>
+        <p14:creationId xmlns:p14="http://schemas.microsoft.com/office/powerpoint/2010/main" xmlns="" val="548581236"/>
       </p:ext>
     </p:extLst>
   </p:cSld>
@@ -3237,7 +3255,8 @@
           <a:p>
             <a:fld id="{CA8B4C51-C230-4C28-9843-C7E92339E34F}" type="datetimeFigureOut">
               <a:rPr lang="en-US" smtClean="0"/>
-              <a:t>12/3/2015</a:t>
+              <a:pPr/>
+              <a:t>12/14/2015</a:t>
             </a:fld>
             <a:endParaRPr lang="en-US"/>
           </a:p>
@@ -3279,6 +3298,7 @@
           <a:p>
             <a:fld id="{B4F68084-92CE-4061-B72E-C5017CA9D6B6}" type="slidenum">
               <a:rPr lang="en-US" smtClean="0"/>
+              <a:pPr/>
               <a:t>‹#›</a:t>
             </a:fld>
             <a:endParaRPr lang="en-US"/>
@@ -3288,7 +3308,7 @@
     </p:spTree>
     <p:extLst>
       <p:ext uri="{BB962C8B-B14F-4D97-AF65-F5344CB8AC3E}">
-        <p14:creationId xmlns:p14="http://schemas.microsoft.com/office/powerpoint/2010/main" val="698166657"/>
+        <p14:creationId xmlns:p14="http://schemas.microsoft.com/office/powerpoint/2010/main" xmlns="" val="698166657"/>
       </p:ext>
     </p:extLst>
   </p:cSld>
@@ -3469,7 +3489,8 @@
           <a:p>
             <a:fld id="{CA8B4C51-C230-4C28-9843-C7E92339E34F}" type="datetimeFigureOut">
               <a:rPr lang="en-US" smtClean="0"/>
-              <a:t>12/3/2015</a:t>
+              <a:pPr/>
+              <a:t>12/14/2015</a:t>
             </a:fld>
             <a:endParaRPr lang="en-US"/>
           </a:p>
@@ -3511,6 +3532,7 @@
           <a:p>
             <a:fld id="{B4F68084-92CE-4061-B72E-C5017CA9D6B6}" type="slidenum">
               <a:rPr lang="en-US" smtClean="0"/>
+              <a:pPr/>
               <a:t>‹#›</a:t>
             </a:fld>
             <a:endParaRPr lang="en-US"/>
@@ -3520,7 +3542,7 @@
     </p:spTree>
     <p:extLst>
       <p:ext uri="{BB962C8B-B14F-4D97-AF65-F5344CB8AC3E}">
-        <p14:creationId xmlns:p14="http://schemas.microsoft.com/office/powerpoint/2010/main" val="113614099"/>
+        <p14:creationId xmlns:p14="http://schemas.microsoft.com/office/powerpoint/2010/main" xmlns="" val="113614099"/>
       </p:ext>
     </p:extLst>
   </p:cSld>
@@ -3843,7 +3865,8 @@
           <a:p>
             <a:fld id="{CA8B4C51-C230-4C28-9843-C7E92339E34F}" type="datetimeFigureOut">
               <a:rPr lang="en-US" smtClean="0"/>
-              <a:t>12/3/2015</a:t>
+              <a:pPr/>
+              <a:t>12/14/2015</a:t>
             </a:fld>
             <a:endParaRPr lang="en-US"/>
           </a:p>
@@ -3885,6 +3908,7 @@
           <a:p>
             <a:fld id="{B4F68084-92CE-4061-B72E-C5017CA9D6B6}" type="slidenum">
               <a:rPr lang="en-US" smtClean="0"/>
+              <a:pPr/>
               <a:t>‹#›</a:t>
             </a:fld>
             <a:endParaRPr lang="en-US"/>
@@ -3894,7 +3918,7 @@
     </p:spTree>
     <p:extLst>
       <p:ext uri="{BB962C8B-B14F-4D97-AF65-F5344CB8AC3E}">
-        <p14:creationId xmlns:p14="http://schemas.microsoft.com/office/powerpoint/2010/main" val="2967956569"/>
+        <p14:creationId xmlns:p14="http://schemas.microsoft.com/office/powerpoint/2010/main" xmlns="" val="2967956569"/>
       </p:ext>
     </p:extLst>
   </p:cSld>
@@ -3966,7 +3990,8 @@
           <a:p>
             <a:fld id="{CA8B4C51-C230-4C28-9843-C7E92339E34F}" type="datetimeFigureOut">
               <a:rPr lang="en-US" smtClean="0"/>
-              <a:t>12/3/2015</a:t>
+              <a:pPr/>
+              <a:t>12/14/2015</a:t>
             </a:fld>
             <a:endParaRPr lang="en-US"/>
           </a:p>
@@ -4008,6 +4033,7 @@
           <a:p>
             <a:fld id="{B4F68084-92CE-4061-B72E-C5017CA9D6B6}" type="slidenum">
               <a:rPr lang="en-US" smtClean="0"/>
+              <a:pPr/>
               <a:t>‹#›</a:t>
             </a:fld>
             <a:endParaRPr lang="en-US"/>
@@ -4017,7 +4043,7 @@
     </p:spTree>
     <p:extLst>
       <p:ext uri="{BB962C8B-B14F-4D97-AF65-F5344CB8AC3E}">
-        <p14:creationId xmlns:p14="http://schemas.microsoft.com/office/powerpoint/2010/main" val="1091709715"/>
+        <p14:creationId xmlns:p14="http://schemas.microsoft.com/office/powerpoint/2010/main" xmlns="" val="1091709715"/>
       </p:ext>
     </p:extLst>
   </p:cSld>
@@ -4061,7 +4087,8 @@
           <a:p>
             <a:fld id="{CA8B4C51-C230-4C28-9843-C7E92339E34F}" type="datetimeFigureOut">
               <a:rPr lang="en-US" smtClean="0"/>
-              <a:t>12/3/2015</a:t>
+              <a:pPr/>
+              <a:t>12/14/2015</a:t>
             </a:fld>
             <a:endParaRPr lang="en-US"/>
           </a:p>
@@ -4103,6 +4130,7 @@
           <a:p>
             <a:fld id="{B4F68084-92CE-4061-B72E-C5017CA9D6B6}" type="slidenum">
               <a:rPr lang="en-US" smtClean="0"/>
+              <a:pPr/>
               <a:t>‹#›</a:t>
             </a:fld>
             <a:endParaRPr lang="en-US"/>
@@ -4112,7 +4140,7 @@
     </p:spTree>
     <p:extLst>
       <p:ext uri="{BB962C8B-B14F-4D97-AF65-F5344CB8AC3E}">
-        <p14:creationId xmlns:p14="http://schemas.microsoft.com/office/powerpoint/2010/main" val="1789039858"/>
+        <p14:creationId xmlns:p14="http://schemas.microsoft.com/office/powerpoint/2010/main" xmlns="" val="1789039858"/>
       </p:ext>
     </p:extLst>
   </p:cSld>
@@ -4316,7 +4344,8 @@
           <a:p>
             <a:fld id="{CA8B4C51-C230-4C28-9843-C7E92339E34F}" type="datetimeFigureOut">
               <a:rPr lang="en-US" smtClean="0"/>
-              <a:t>12/3/2015</a:t>
+              <a:pPr/>
+              <a:t>12/14/2015</a:t>
             </a:fld>
             <a:endParaRPr lang="en-US"/>
           </a:p>
@@ -4358,6 +4387,7 @@
           <a:p>
             <a:fld id="{B4F68084-92CE-4061-B72E-C5017CA9D6B6}" type="slidenum">
               <a:rPr lang="en-US" smtClean="0"/>
+              <a:pPr/>
               <a:t>‹#›</a:t>
             </a:fld>
             <a:endParaRPr lang="en-US"/>
@@ -4367,7 +4397,7 @@
     </p:spTree>
     <p:extLst>
       <p:ext uri="{BB962C8B-B14F-4D97-AF65-F5344CB8AC3E}">
-        <p14:creationId xmlns:p14="http://schemas.microsoft.com/office/powerpoint/2010/main" val="484428563"/>
+        <p14:creationId xmlns:p14="http://schemas.microsoft.com/office/powerpoint/2010/main" xmlns="" val="484428563"/>
       </p:ext>
     </p:extLst>
   </p:cSld>
@@ -4598,6 +4628,7 @@
           <a:p>
             <a:fld id="{B4F68084-92CE-4061-B72E-C5017CA9D6B6}" type="slidenum">
               <a:rPr lang="en-US" smtClean="0"/>
+              <a:pPr/>
               <a:t>‹#›</a:t>
             </a:fld>
             <a:endParaRPr lang="en-US"/>
@@ -4621,7 +4652,8 @@
           <a:p>
             <a:fld id="{CA8B4C51-C230-4C28-9843-C7E92339E34F}" type="datetimeFigureOut">
               <a:rPr lang="en-US" smtClean="0"/>
-              <a:t>12/3/2015</a:t>
+              <a:pPr/>
+              <a:t>12/14/2015</a:t>
             </a:fld>
             <a:endParaRPr lang="en-US"/>
           </a:p>
@@ -4630,7 +4662,7 @@
     </p:spTree>
     <p:extLst>
       <p:ext uri="{BB962C8B-B14F-4D97-AF65-F5344CB8AC3E}">
-        <p14:creationId xmlns:p14="http://schemas.microsoft.com/office/powerpoint/2010/main" val="2998937706"/>
+        <p14:creationId xmlns:p14="http://schemas.microsoft.com/office/powerpoint/2010/main" xmlns="" val="2998937706"/>
       </p:ext>
     </p:extLst>
   </p:cSld>
@@ -5323,7 +5355,8 @@
           <a:p>
             <a:fld id="{CA8B4C51-C230-4C28-9843-C7E92339E34F}" type="datetimeFigureOut">
               <a:rPr lang="en-US" smtClean="0"/>
-              <a:t>12/3/2015</a:t>
+              <a:pPr/>
+              <a:t>12/14/2015</a:t>
             </a:fld>
             <a:endParaRPr lang="en-US"/>
           </a:p>
@@ -5399,6 +5432,7 @@
           <a:p>
             <a:fld id="{B4F68084-92CE-4061-B72E-C5017CA9D6B6}" type="slidenum">
               <a:rPr lang="en-US" smtClean="0"/>
+              <a:pPr/>
               <a:t>‹#›</a:t>
             </a:fld>
             <a:endParaRPr lang="en-US"/>
@@ -5408,7 +5442,7 @@
     </p:spTree>
     <p:extLst>
       <p:ext uri="{BB962C8B-B14F-4D97-AF65-F5344CB8AC3E}">
-        <p14:creationId xmlns:p14="http://schemas.microsoft.com/office/powerpoint/2010/main" val="1688948075"/>
+        <p14:creationId xmlns:p14="http://schemas.microsoft.com/office/powerpoint/2010/main" xmlns="" val="1688948075"/>
       </p:ext>
     </p:extLst>
   </p:cSld>
@@ -5988,7 +6022,7 @@
     </p:spTree>
     <p:extLst>
       <p:ext uri="{BB962C8B-B14F-4D97-AF65-F5344CB8AC3E}">
-        <p14:creationId xmlns:p14="http://schemas.microsoft.com/office/powerpoint/2010/main" val="4179626640"/>
+        <p14:creationId xmlns:p14="http://schemas.microsoft.com/office/powerpoint/2010/main" xmlns="" val="4179626640"/>
       </p:ext>
     </p:extLst>
   </p:cSld>
@@ -6278,7 +6312,7 @@
     </p:spTree>
     <p:extLst>
       <p:ext uri="{BB962C8B-B14F-4D97-AF65-F5344CB8AC3E}">
-        <p14:creationId xmlns:p14="http://schemas.microsoft.com/office/powerpoint/2010/main" val="95472723"/>
+        <p14:creationId xmlns:p14="http://schemas.microsoft.com/office/powerpoint/2010/main" xmlns="" val="95472723"/>
       </p:ext>
     </p:extLst>
   </p:cSld>
@@ -6574,7 +6608,7 @@
           <a:blip r:embed="rId2" cstate="print">
             <a:extLst>
               <a:ext uri="{28A0092B-C50C-407E-A947-70E740481C1C}">
-                <a14:useLocalDpi xmlns:a14="http://schemas.microsoft.com/office/drawing/2010/main" val="0"/>
+                <a14:useLocalDpi xmlns:a14="http://schemas.microsoft.com/office/drawing/2010/main" xmlns="" val="0"/>
               </a:ext>
             </a:extLst>
           </a:blip>
@@ -6689,7 +6723,7 @@
     </p:spTree>
     <p:extLst>
       <p:ext uri="{BB962C8B-B14F-4D97-AF65-F5344CB8AC3E}">
-        <p14:creationId xmlns:p14="http://schemas.microsoft.com/office/powerpoint/2010/main" val="2831929787"/>
+        <p14:creationId xmlns:p14="http://schemas.microsoft.com/office/powerpoint/2010/main" xmlns="" val="2831929787"/>
       </p:ext>
     </p:extLst>
   </p:cSld>
@@ -6812,19 +6846,8 @@
                 <a:latin typeface="Arial" panose="020B0604020202020204" pitchFamily="34" charset="0"/>
                 <a:cs typeface="Arial" panose="020B0604020202020204" pitchFamily="34" charset="0"/>
               </a:rPr>
-              <a:t>Accuracy using ULBP And SVM </a:t>
-            </a:r>
-            <a:r>
-              <a:rPr lang="en-US" dirty="0" smtClean="0">
-                <a:latin typeface="Arial" panose="020B0604020202020204" pitchFamily="34" charset="0"/>
-                <a:cs typeface="Arial" panose="020B0604020202020204" pitchFamily="34" charset="0"/>
-              </a:rPr>
-              <a:t>Classifier.</a:t>
-            </a:r>
-            <a:endParaRPr lang="en-US" dirty="0" smtClean="0">
-              <a:latin typeface="Arial" panose="020B0604020202020204" pitchFamily="34" charset="0"/>
-              <a:cs typeface="Arial" panose="020B0604020202020204" pitchFamily="34" charset="0"/>
-            </a:endParaRPr>
+              <a:t>Accuracy using ULBP And SVM Classifier.</a:t>
+            </a:r>
           </a:p>
           <a:p>
             <a:pPr>
@@ -6931,14 +6954,7 @@
                 <a:latin typeface="Arial" panose="020B0604020202020204" pitchFamily="34" charset="0"/>
                 <a:cs typeface="Arial" panose="020B0604020202020204" pitchFamily="34" charset="0"/>
               </a:rPr>
-              <a:t>combination of Textural detectors</a:t>
-            </a:r>
-            <a:r>
-              <a:rPr lang="en-US" dirty="0" smtClean="0">
-                <a:latin typeface="Arial" panose="020B0604020202020204" pitchFamily="34" charset="0"/>
-                <a:cs typeface="Arial" panose="020B0604020202020204" pitchFamily="34" charset="0"/>
-              </a:rPr>
-              <a:t> </a:t>
+              <a:t>combination of Textural detectors </a:t>
             </a:r>
             <a:r>
               <a:rPr lang="en-US" dirty="0">
@@ -6953,7 +6969,7 @@
     </p:spTree>
     <p:extLst>
       <p:ext uri="{BB962C8B-B14F-4D97-AF65-F5344CB8AC3E}">
-        <p14:creationId xmlns:p14="http://schemas.microsoft.com/office/powerpoint/2010/main" val="3515016601"/>
+        <p14:creationId xmlns:p14="http://schemas.microsoft.com/office/powerpoint/2010/main" xmlns="" val="3515016601"/>
       </p:ext>
     </p:extLst>
   </p:cSld>
@@ -7511,7 +7527,7 @@
     </p:spTree>
     <p:extLst>
       <p:ext uri="{BB962C8B-B14F-4D97-AF65-F5344CB8AC3E}">
-        <p14:creationId xmlns:p14="http://schemas.microsoft.com/office/powerpoint/2010/main" val="1145390944"/>
+        <p14:creationId xmlns:p14="http://schemas.microsoft.com/office/powerpoint/2010/main" xmlns="" val="1145390944"/>
       </p:ext>
     </p:extLst>
   </p:cSld>
@@ -7719,7 +7735,7 @@
           <a:blip r:embed="rId2" cstate="print">
             <a:extLst>
               <a:ext uri="{28A0092B-C50C-407E-A947-70E740481C1C}">
-                <a14:useLocalDpi xmlns:a14="http://schemas.microsoft.com/office/drawing/2010/main" val="0"/>
+                <a14:useLocalDpi xmlns:a14="http://schemas.microsoft.com/office/drawing/2010/main" xmlns="" val="0"/>
               </a:ext>
             </a:extLst>
           </a:blip>
@@ -7744,18 +7760,24 @@
         </p:nvSpPr>
         <p:spPr>
           <a:xfrm>
-            <a:off x="2926720" y="4407244"/>
-            <a:ext cx="527221" cy="288324"/>
+            <a:off x="2802468" y="4500377"/>
+            <a:ext cx="795866" cy="122423"/>
           </a:xfrm>
           <a:prstGeom prst="rightArrow">
             <a:avLst/>
           </a:prstGeom>
           <a:solidFill>
-            <a:schemeClr val="accent1">
-              <a:lumMod val="40000"/>
-              <a:lumOff val="60000"/>
+            <a:schemeClr val="accent2">
+              <a:lumMod val="75000"/>
             </a:schemeClr>
           </a:solidFill>
+          <a:ln>
+            <a:solidFill>
+              <a:schemeClr val="accent2">
+                <a:lumMod val="50000"/>
+              </a:schemeClr>
+            </a:solidFill>
+          </a:ln>
         </p:spPr>
         <p:style>
           <a:lnRef idx="2">
@@ -7794,7 +7816,7 @@
           <a:blip r:embed="rId3" cstate="print">
             <a:extLst>
               <a:ext uri="{28A0092B-C50C-407E-A947-70E740481C1C}">
-                <a14:useLocalDpi xmlns:a14="http://schemas.microsoft.com/office/drawing/2010/main" val="0"/>
+                <a14:useLocalDpi xmlns:a14="http://schemas.microsoft.com/office/drawing/2010/main" xmlns="" val="0"/>
               </a:ext>
             </a:extLst>
           </a:blip>
@@ -7869,7 +7891,7 @@
           <a:blip r:embed="rId4">
             <a:extLst>
               <a:ext uri="{28A0092B-C50C-407E-A947-70E740481C1C}">
-                <a14:useLocalDpi xmlns:a14="http://schemas.microsoft.com/office/drawing/2010/main" val="0"/>
+                <a14:useLocalDpi xmlns:a14="http://schemas.microsoft.com/office/drawing/2010/main" xmlns="" val="0"/>
               </a:ext>
             </a:extLst>
           </a:blip>
@@ -7899,7 +7921,7 @@
           <a:blip r:embed="rId5">
             <a:extLst>
               <a:ext uri="{28A0092B-C50C-407E-A947-70E740481C1C}">
-                <a14:useLocalDpi xmlns:a14="http://schemas.microsoft.com/office/drawing/2010/main" val="0"/>
+                <a14:useLocalDpi xmlns:a14="http://schemas.microsoft.com/office/drawing/2010/main" xmlns="" val="0"/>
               </a:ext>
             </a:extLst>
           </a:blip>
@@ -8058,7 +8080,7 @@
     </p:spTree>
     <p:extLst>
       <p:ext uri="{BB962C8B-B14F-4D97-AF65-F5344CB8AC3E}">
-        <p14:creationId xmlns:p14="http://schemas.microsoft.com/office/powerpoint/2010/main" val="1216424879"/>
+        <p14:creationId xmlns:p14="http://schemas.microsoft.com/office/powerpoint/2010/main" xmlns="" val="1216424879"/>
       </p:ext>
     </p:extLst>
   </p:cSld>
@@ -8193,7 +8215,7 @@
           <p:nvPr>
             <p:extLst>
               <p:ext uri="{D42A27DB-BD31-4B8C-83A1-F6EECF244321}">
-                <p14:modId xmlns:p14="http://schemas.microsoft.com/office/powerpoint/2010/main" val="3412962294"/>
+                <p14:modId xmlns:p14="http://schemas.microsoft.com/office/powerpoint/2010/main" xmlns="" val="3412962294"/>
               </p:ext>
             </p:extLst>
           </p:nvPr>
@@ -8736,7 +8758,7 @@
     </p:spTree>
     <p:extLst>
       <p:ext uri="{BB962C8B-B14F-4D97-AF65-F5344CB8AC3E}">
-        <p14:creationId xmlns:p14="http://schemas.microsoft.com/office/powerpoint/2010/main" val="1205786820"/>
+        <p14:creationId xmlns:p14="http://schemas.microsoft.com/office/powerpoint/2010/main" xmlns="" val="1205786820"/>
       </p:ext>
     </p:extLst>
   </p:cSld>
@@ -9117,7 +9139,7 @@
     </p:spTree>
     <p:extLst>
       <p:ext uri="{BB962C8B-B14F-4D97-AF65-F5344CB8AC3E}">
-        <p14:creationId xmlns:p14="http://schemas.microsoft.com/office/powerpoint/2010/main" val="3590167236"/>
+        <p14:creationId xmlns:p14="http://schemas.microsoft.com/office/powerpoint/2010/main" xmlns="" val="3590167236"/>
       </p:ext>
     </p:extLst>
   </p:cSld>
@@ -9670,20 +9692,7 @@
                 <a:latin typeface="Arial Narrow" panose="020B0606020202030204" pitchFamily="34" charset="0"/>
                 <a:cs typeface="Arial" panose="020B0604020202020204" pitchFamily="34" charset="0"/>
               </a:rPr>
-              <a:t>The ND-IRIS-0405 iris image </a:t>
-            </a:r>
-            <a:r>
-              <a:rPr lang="en-US" sz="1600" dirty="0">
-                <a:solidFill>
-                  <a:schemeClr val="tx1">
-                    <a:lumMod val="65000"/>
-                    <a:lumOff val="35000"/>
-                  </a:schemeClr>
-                </a:solidFill>
-                <a:latin typeface="Arial Narrow" panose="020B0606020202030204" pitchFamily="34" charset="0"/>
-                <a:cs typeface="Arial" panose="020B0604020202020204" pitchFamily="34" charset="0"/>
-              </a:rPr>
-              <a:t>dataset. Computer Vision Research </a:t>
+              <a:t>The ND-IRIS-0405 iris image dataset. Computer Vision Research </a:t>
             </a:r>
             <a:r>
               <a:rPr lang="en-US" sz="1600" dirty="0" smtClean="0">
@@ -9917,7 +9926,7 @@
     </p:spTree>
     <p:extLst>
       <p:ext uri="{BB962C8B-B14F-4D97-AF65-F5344CB8AC3E}">
-        <p14:creationId xmlns:p14="http://schemas.microsoft.com/office/powerpoint/2010/main" val="2892934435"/>
+        <p14:creationId xmlns:p14="http://schemas.microsoft.com/office/powerpoint/2010/main" xmlns="" val="2892934435"/>
       </p:ext>
     </p:extLst>
   </p:cSld>
@@ -9977,7 +9986,7 @@
     </a:clrScheme>
     <a:fontScheme name="Facet">
       <a:majorFont>
-        <a:latin typeface="Trebuchet MS" panose="020B0603020202020204"/>
+        <a:latin typeface="Trebuchet MS"/>
         <a:ea typeface=""/>
         <a:cs typeface=""/>
         <a:font script="Jpan" typeface="メイリオ"/>
@@ -10012,7 +10021,7 @@
         <a:font script="Geor" typeface="Sylfaen"/>
       </a:majorFont>
       <a:minorFont>
-        <a:latin typeface="Trebuchet MS" panose="020B0603020202020204"/>
+        <a:latin typeface="Trebuchet MS"/>
         <a:ea typeface=""/>
         <a:cs typeface=""/>
         <a:font script="Jpan" typeface="メイリオ"/>
@@ -10185,7 +10194,7 @@
   <a:extraClrSchemeLst/>
   <a:extLst>
     <a:ext uri="{05A4C25C-085E-4340-85A3-A5531E510DB2}">
-      <thm15:themeFamily xmlns:thm15="http://schemas.microsoft.com/office/thememl/2012/main" name="Facet" id="{C0C680CD-088A-49FC-A102-D699147F32B2}" vid="{0B5AB586-D108-4FC1-8368-649FE654B894}"/>
+      <thm15:themeFamily xmlns:thm15="http://schemas.microsoft.com/office/thememl/2012/main" xmlns="" name="Facet" id="{C0C680CD-088A-49FC-A102-D699147F32B2}" vid="{0B5AB586-D108-4FC1-8368-649FE654B894}"/>
     </a:ext>
   </a:extLst>
 </a:theme>
